--- a/demo/demo_template 1.pptx
+++ b/demo/demo_template 1.pptx
@@ -18,15 +18,15 @@
   <p:notesSz cx="10287000" cy="18288000"/>
   <p:embeddedFontLst>
     <p:embeddedFont>
-      <p:font typeface="DM Sans Bold" panose="020B0604020202020204" charset="-18"/>
+      <p:font typeface="DM Sans Bold" panose="020B0604020202020204" charset="0"/>
       <p:bold r:id="rId8"/>
     </p:embeddedFont>
     <p:embeddedFont>
-      <p:font typeface="DM Sans Regular" panose="020B0604020202020204" charset="-18"/>
+      <p:font typeface="DM Sans Regular" panose="020B0604020202020204" charset="0"/>
       <p:regular r:id="rId9"/>
     </p:embeddedFont>
     <p:embeddedFont>
-      <p:font typeface="Syne SemiBold" pitchFamily="2" charset="-18"/>
+      <p:font typeface="Syne SemiBold" panose="020B0604020202020204" charset="0"/>
       <p:bold r:id="rId10"/>
     </p:embeddedFont>
   </p:embeddedFontLst>
@@ -1144,7 +1144,7 @@
                 <a:ea typeface="Syne Bold" pitchFamily="34" charset="-122"/>
                 <a:cs typeface="Syne Bold" pitchFamily="34" charset="-120"/>
               </a:rPr>
-              <a:t>[Team Name] presents:</a:t>
+              <a:t>Team Chat GPT presents:</a:t>
             </a:r>
             <a:endParaRPr lang="en-US" sz="4500" dirty="0"/>
           </a:p>
@@ -1186,7 +1186,7 @@
                 <a:ea typeface="Syne Bold" pitchFamily="34" charset="-122"/>
                 <a:cs typeface="Syne Bold" pitchFamily="34" charset="-120"/>
               </a:rPr>
-              <a:t>[Project Name]</a:t>
+              <a:t>Travel Legend</a:t>
             </a:r>
             <a:endParaRPr lang="en-US" sz="7200" dirty="0"/>
           </a:p>
@@ -1228,7 +1228,7 @@
                 <a:ea typeface="Syne Bold" pitchFamily="34" charset="-122"/>
                 <a:cs typeface="Syne Bold" pitchFamily="34" charset="-120"/>
               </a:rPr>
-              <a:t>[Scenario]</a:t>
+              <a:t>Packing list ++</a:t>
             </a:r>
             <a:endParaRPr lang="en-US" sz="3600" dirty="0"/>
           </a:p>
@@ -1454,7 +1454,24 @@
                 <a:ea typeface="DM Sans Regular" pitchFamily="34" charset="-122"/>
                 <a:cs typeface="DM Sans Regular" pitchFamily="34" charset="-120"/>
               </a:rPr>
-              <a:t>[Scenario]</a:t>
+              <a:t>We want to be able to generate and persist a packing list for a given trip.</a:t>
+            </a:r>
+          </a:p>
+          <a:p>
+            <a:pPr marL="0" indent="0" algn="l">
+              <a:lnSpc>
+                <a:spcPct val="116667"/>
+              </a:lnSpc>
+              <a:buNone/>
+            </a:pPr>
+            <a:r>
+              <a:rPr lang="en-US" sz="2700" kern="0" spc="-75" dirty="0">
+                <a:solidFill>
+                  <a:srgbClr val="FFFFFF"/>
+                </a:solidFill>
+                <a:latin typeface="DM Sans Regular" pitchFamily="34" charset="0"/>
+              </a:rPr>
+              <a:t>This should be persisted as markdown, and take into account the weather at the trip location.</a:t>
             </a:r>
             <a:endParaRPr lang="en-US" sz="2700" dirty="0"/>
           </a:p>
@@ -1538,7 +1555,41 @@
                 <a:ea typeface="DM Sans Regular" pitchFamily="34" charset="-122"/>
                 <a:cs typeface="DM Sans Regular" pitchFamily="34" charset="-120"/>
               </a:rPr>
-              <a:t>[Problem]</a:t>
+              <a:t>I need to know what to take on my trip!</a:t>
+            </a:r>
+          </a:p>
+          <a:p>
+            <a:pPr marL="0" indent="0" algn="l">
+              <a:lnSpc>
+                <a:spcPct val="116667"/>
+              </a:lnSpc>
+              <a:buNone/>
+            </a:pPr>
+            <a:r>
+              <a:rPr lang="en-US" sz="2700" kern="0" spc="-75" dirty="0">
+                <a:solidFill>
+                  <a:srgbClr val="FFFFFF"/>
+                </a:solidFill>
+                <a:latin typeface="DM Sans Regular" pitchFamily="34" charset="0"/>
+              </a:rPr>
+              <a:t>I want to keep this.</a:t>
+            </a:r>
+          </a:p>
+          <a:p>
+            <a:pPr marL="0" indent="0" algn="l">
+              <a:lnSpc>
+                <a:spcPct val="116667"/>
+              </a:lnSpc>
+              <a:buNone/>
+            </a:pPr>
+            <a:r>
+              <a:rPr lang="en-US" sz="2700" kern="0" spc="-75" dirty="0">
+                <a:solidFill>
+                  <a:srgbClr val="FFFFFF"/>
+                </a:solidFill>
+                <a:latin typeface="DM Sans Regular" pitchFamily="34" charset="0"/>
+              </a:rPr>
+              <a:t>I need to know who thinks this agent is good.</a:t>
             </a:r>
             <a:endParaRPr lang="en-US" sz="2700" dirty="0"/>
           </a:p>
@@ -1613,17 +1664,6 @@
               </a:lnSpc>
               <a:buNone/>
             </a:pPr>
-            <a:r>
-              <a:rPr lang="en-US" sz="2700" kern="0" spc="-75" dirty="0">
-                <a:solidFill>
-                  <a:srgbClr val="FFFFFF"/>
-                </a:solidFill>
-                <a:latin typeface="DM Sans Regular" pitchFamily="34" charset="0"/>
-                <a:ea typeface="DM Sans Regular" pitchFamily="34" charset="-122"/>
-                <a:cs typeface="DM Sans Regular" pitchFamily="34" charset="-120"/>
-              </a:rPr>
-              <a:t>[Solution]</a:t>
-            </a:r>
             <a:endParaRPr lang="en-US" sz="2700" dirty="0"/>
           </a:p>
         </p:txBody>
